--- a/demoArchitecture.pptx
+++ b/demoArchitecture.pptx
@@ -7,6 +7,7 @@
   <p:sldIdLst>
     <p:sldId id="256" r:id="rId2"/>
     <p:sldId id="257" r:id="rId3"/>
+    <p:sldId id="258" r:id="rId4"/>
   </p:sldIdLst>
   <p:sldSz cx="9144000" cy="6858000" type="screen4x3"/>
   <p:notesSz cx="6858000" cy="9144000"/>
@@ -289,7 +290,7 @@
           <a:p>
             <a:fld id="{D1FB4CA9-34AC-2042-9158-177D2A9E3DDF}" type="datetimeFigureOut">
               <a:rPr lang="en-US" smtClean="0"/>
-              <a:t>12/15/16</a:t>
+              <a:t>1/3/17</a:t>
             </a:fld>
             <a:endParaRPr lang="en-US"/>
           </a:p>
@@ -459,7 +460,7 @@
           <a:p>
             <a:fld id="{D1FB4CA9-34AC-2042-9158-177D2A9E3DDF}" type="datetimeFigureOut">
               <a:rPr lang="en-US" smtClean="0"/>
-              <a:t>12/15/16</a:t>
+              <a:t>1/3/17</a:t>
             </a:fld>
             <a:endParaRPr lang="en-US"/>
           </a:p>
@@ -639,7 +640,7 @@
           <a:p>
             <a:fld id="{D1FB4CA9-34AC-2042-9158-177D2A9E3DDF}" type="datetimeFigureOut">
               <a:rPr lang="en-US" smtClean="0"/>
-              <a:t>12/15/16</a:t>
+              <a:t>1/3/17</a:t>
             </a:fld>
             <a:endParaRPr lang="en-US"/>
           </a:p>
@@ -809,7 +810,7 @@
           <a:p>
             <a:fld id="{D1FB4CA9-34AC-2042-9158-177D2A9E3DDF}" type="datetimeFigureOut">
               <a:rPr lang="en-US" smtClean="0"/>
-              <a:t>12/15/16</a:t>
+              <a:t>1/3/17</a:t>
             </a:fld>
             <a:endParaRPr lang="en-US"/>
           </a:p>
@@ -1055,7 +1056,7 @@
           <a:p>
             <a:fld id="{D1FB4CA9-34AC-2042-9158-177D2A9E3DDF}" type="datetimeFigureOut">
               <a:rPr lang="en-US" smtClean="0"/>
-              <a:t>12/15/16</a:t>
+              <a:t>1/3/17</a:t>
             </a:fld>
             <a:endParaRPr lang="en-US"/>
           </a:p>
@@ -1343,7 +1344,7 @@
           <a:p>
             <a:fld id="{D1FB4CA9-34AC-2042-9158-177D2A9E3DDF}" type="datetimeFigureOut">
               <a:rPr lang="en-US" smtClean="0"/>
-              <a:t>12/15/16</a:t>
+              <a:t>1/3/17</a:t>
             </a:fld>
             <a:endParaRPr lang="en-US"/>
           </a:p>
@@ -1765,7 +1766,7 @@
           <a:p>
             <a:fld id="{D1FB4CA9-34AC-2042-9158-177D2A9E3DDF}" type="datetimeFigureOut">
               <a:rPr lang="en-US" smtClean="0"/>
-              <a:t>12/15/16</a:t>
+              <a:t>1/3/17</a:t>
             </a:fld>
             <a:endParaRPr lang="en-US"/>
           </a:p>
@@ -1883,7 +1884,7 @@
           <a:p>
             <a:fld id="{D1FB4CA9-34AC-2042-9158-177D2A9E3DDF}" type="datetimeFigureOut">
               <a:rPr lang="en-US" smtClean="0"/>
-              <a:t>12/15/16</a:t>
+              <a:t>1/3/17</a:t>
             </a:fld>
             <a:endParaRPr lang="en-US"/>
           </a:p>
@@ -1978,7 +1979,7 @@
           <a:p>
             <a:fld id="{D1FB4CA9-34AC-2042-9158-177D2A9E3DDF}" type="datetimeFigureOut">
               <a:rPr lang="en-US" smtClean="0"/>
-              <a:t>12/15/16</a:t>
+              <a:t>1/3/17</a:t>
             </a:fld>
             <a:endParaRPr lang="en-US"/>
           </a:p>
@@ -2255,7 +2256,7 @@
           <a:p>
             <a:fld id="{D1FB4CA9-34AC-2042-9158-177D2A9E3DDF}" type="datetimeFigureOut">
               <a:rPr lang="en-US" smtClean="0"/>
-              <a:t>12/15/16</a:t>
+              <a:t>1/3/17</a:t>
             </a:fld>
             <a:endParaRPr lang="en-US"/>
           </a:p>
@@ -2508,7 +2509,7 @@
           <a:p>
             <a:fld id="{D1FB4CA9-34AC-2042-9158-177D2A9E3DDF}" type="datetimeFigureOut">
               <a:rPr lang="en-US" smtClean="0"/>
-              <a:t>12/15/16</a:t>
+              <a:t>1/3/17</a:t>
             </a:fld>
             <a:endParaRPr lang="en-US"/>
           </a:p>
@@ -2721,7 +2722,7 @@
           <a:p>
             <a:fld id="{D1FB4CA9-34AC-2042-9158-177D2A9E3DDF}" type="datetimeFigureOut">
               <a:rPr lang="en-US" smtClean="0"/>
-              <a:t>12/15/16</a:t>
+              <a:t>1/3/17</a:t>
             </a:fld>
             <a:endParaRPr lang="en-US"/>
           </a:p>
@@ -3858,6 +3859,899 @@
     <p:extLst>
       <p:ext uri="{BB962C8B-B14F-4D97-AF65-F5344CB8AC3E}">
         <p14:creationId xmlns:p14="http://schemas.microsoft.com/office/powerpoint/2010/main" val="2574789434"/>
+      </p:ext>
+    </p:extLst>
+  </p:cSld>
+  <p:clrMapOvr>
+    <a:masterClrMapping/>
+  </p:clrMapOvr>
+</p:sld>
+</file>
+
+<file path=ppt/slides/slide3.xml><?xml version="1.0" encoding="utf-8"?>
+<p:sld xmlns:a="http://schemas.openxmlformats.org/drawingml/2006/main" xmlns:r="http://schemas.openxmlformats.org/officeDocument/2006/relationships" xmlns:p="http://schemas.openxmlformats.org/presentationml/2006/main">
+  <p:cSld>
+    <p:spTree>
+      <p:nvGrpSpPr>
+        <p:cNvPr id="1" name=""/>
+        <p:cNvGrpSpPr/>
+        <p:nvPr/>
+      </p:nvGrpSpPr>
+      <p:grpSpPr>
+        <a:xfrm>
+          <a:off x="0" y="0"/>
+          <a:ext cx="0" cy="0"/>
+          <a:chOff x="0" y="0"/>
+          <a:chExt cx="0" cy="0"/>
+        </a:xfrm>
+      </p:grpSpPr>
+      <p:sp>
+        <p:nvSpPr>
+          <p:cNvPr id="2" name="Title 1"/>
+          <p:cNvSpPr>
+            <a:spLocks noGrp="1"/>
+          </p:cNvSpPr>
+          <p:nvPr>
+            <p:ph type="title"/>
+          </p:nvPr>
+        </p:nvSpPr>
+        <p:spPr/>
+        <p:txBody>
+          <a:bodyPr/>
+          <a:lstStyle/>
+          <a:p>
+            <a:r>
+              <a:rPr lang="en-US" dirty="0" smtClean="0"/>
+              <a:t>Demo </a:t>
+            </a:r>
+            <a:r>
+              <a:rPr lang="en-US" dirty="0" smtClean="0"/>
+              <a:t>Overview (version 2)</a:t>
+            </a:r>
+            <a:endParaRPr lang="en-US" dirty="0"/>
+          </a:p>
+        </p:txBody>
+      </p:sp>
+      <p:grpSp>
+        <p:nvGrpSpPr>
+          <p:cNvPr id="26" name="Group 25"/>
+          <p:cNvGrpSpPr/>
+          <p:nvPr/>
+        </p:nvGrpSpPr>
+        <p:grpSpPr>
+          <a:xfrm>
+            <a:off x="327613" y="1243964"/>
+            <a:ext cx="7928349" cy="5586414"/>
+            <a:chOff x="327613" y="1243964"/>
+            <a:chExt cx="7928349" cy="5586414"/>
+          </a:xfrm>
+        </p:grpSpPr>
+        <p:sp>
+          <p:nvSpPr>
+            <p:cNvPr id="22" name="Round Diagonal Corner Rectangle 21"/>
+            <p:cNvSpPr/>
+            <p:nvPr/>
+          </p:nvSpPr>
+          <p:spPr>
+            <a:xfrm>
+              <a:off x="3789093" y="6142073"/>
+              <a:ext cx="2260252" cy="688305"/>
+            </a:xfrm>
+            <a:prstGeom prst="round2DiagRect">
+              <a:avLst/>
+            </a:prstGeom>
+          </p:spPr>
+          <p:style>
+            <a:lnRef idx="1">
+              <a:schemeClr val="accent1"/>
+            </a:lnRef>
+            <a:fillRef idx="3">
+              <a:schemeClr val="accent1"/>
+            </a:fillRef>
+            <a:effectRef idx="2">
+              <a:schemeClr val="accent1"/>
+            </a:effectRef>
+            <a:fontRef idx="minor">
+              <a:schemeClr val="lt1"/>
+            </a:fontRef>
+          </p:style>
+          <p:txBody>
+            <a:bodyPr rtlCol="0" anchor="ctr"/>
+            <a:lstStyle/>
+            <a:p>
+              <a:pPr algn="ctr"/>
+              <a:endParaRPr lang="en-US" dirty="0"/>
+            </a:p>
+          </p:txBody>
+        </p:sp>
+        <p:sp>
+          <p:nvSpPr>
+            <p:cNvPr id="3" name="Can 2"/>
+            <p:cNvSpPr/>
+            <p:nvPr/>
+          </p:nvSpPr>
+          <p:spPr>
+            <a:xfrm>
+              <a:off x="3641402" y="3409477"/>
+              <a:ext cx="1775345" cy="1606788"/>
+            </a:xfrm>
+            <a:prstGeom prst="can">
+              <a:avLst/>
+            </a:prstGeom>
+            <a:solidFill>
+              <a:schemeClr val="accent3">
+                <a:lumMod val="75000"/>
+              </a:schemeClr>
+            </a:solidFill>
+          </p:spPr>
+          <p:style>
+            <a:lnRef idx="1">
+              <a:schemeClr val="accent1"/>
+            </a:lnRef>
+            <a:fillRef idx="3">
+              <a:schemeClr val="accent1"/>
+            </a:fillRef>
+            <a:effectRef idx="2">
+              <a:schemeClr val="accent1"/>
+            </a:effectRef>
+            <a:fontRef idx="minor">
+              <a:schemeClr val="lt1"/>
+            </a:fontRef>
+          </p:style>
+          <p:txBody>
+            <a:bodyPr rtlCol="0" anchor="ctr"/>
+            <a:lstStyle/>
+            <a:p>
+              <a:pPr algn="ctr"/>
+              <a:r>
+                <a:rPr lang="en-US" dirty="0" smtClean="0"/>
+                <a:t>MongoDB</a:t>
+              </a:r>
+              <a:endParaRPr lang="en-US" dirty="0"/>
+            </a:p>
+          </p:txBody>
+        </p:sp>
+        <p:sp>
+          <p:nvSpPr>
+            <p:cNvPr id="4" name="Folded Corner 3"/>
+            <p:cNvSpPr/>
+            <p:nvPr/>
+          </p:nvSpPr>
+          <p:spPr>
+            <a:xfrm>
+              <a:off x="327613" y="1243964"/>
+              <a:ext cx="1486608" cy="1192132"/>
+            </a:xfrm>
+            <a:prstGeom prst="foldedCorner">
+              <a:avLst/>
+            </a:prstGeom>
+          </p:spPr>
+          <p:style>
+            <a:lnRef idx="1">
+              <a:schemeClr val="accent1"/>
+            </a:lnRef>
+            <a:fillRef idx="3">
+              <a:schemeClr val="accent1"/>
+            </a:fillRef>
+            <a:effectRef idx="2">
+              <a:schemeClr val="accent1"/>
+            </a:effectRef>
+            <a:fontRef idx="minor">
+              <a:schemeClr val="lt1"/>
+            </a:fontRef>
+          </p:style>
+          <p:txBody>
+            <a:bodyPr rtlCol="0" anchor="ctr"/>
+            <a:lstStyle/>
+            <a:p>
+              <a:pPr algn="ctr"/>
+              <a:r>
+                <a:rPr lang="en-US" dirty="0" smtClean="0"/>
+                <a:t>Census</a:t>
+              </a:r>
+              <a:br>
+                <a:rPr lang="en-US" dirty="0" smtClean="0"/>
+              </a:br>
+              <a:endParaRPr lang="en-US" dirty="0" smtClean="0"/>
+            </a:p>
+            <a:p>
+              <a:pPr algn="ctr"/>
+              <a:r>
+                <a:rPr lang="en-US" sz="1400" dirty="0" smtClean="0"/>
+                <a:t>(age distribution, housing)</a:t>
+              </a:r>
+              <a:endParaRPr lang="en-US" sz="1400" dirty="0"/>
+            </a:p>
+          </p:txBody>
+        </p:sp>
+        <p:sp>
+          <p:nvSpPr>
+            <p:cNvPr id="5" name="Folded Corner 4"/>
+            <p:cNvSpPr/>
+            <p:nvPr/>
+          </p:nvSpPr>
+          <p:spPr>
+            <a:xfrm>
+              <a:off x="327613" y="3024151"/>
+              <a:ext cx="1486608" cy="1188720"/>
+            </a:xfrm>
+            <a:prstGeom prst="foldedCorner">
+              <a:avLst/>
+            </a:prstGeom>
+          </p:spPr>
+          <p:style>
+            <a:lnRef idx="1">
+              <a:schemeClr val="accent1"/>
+            </a:lnRef>
+            <a:fillRef idx="3">
+              <a:schemeClr val="accent1"/>
+            </a:fillRef>
+            <a:effectRef idx="2">
+              <a:schemeClr val="accent1"/>
+            </a:effectRef>
+            <a:fontRef idx="minor">
+              <a:schemeClr val="lt1"/>
+            </a:fontRef>
+          </p:style>
+          <p:txBody>
+            <a:bodyPr rtlCol="0" anchor="ctr"/>
+            <a:lstStyle/>
+            <a:p>
+              <a:pPr algn="ctr"/>
+              <a:r>
+                <a:rPr lang="en-US" dirty="0" smtClean="0"/>
+                <a:t>Crime</a:t>
+              </a:r>
+              <a:br>
+                <a:rPr lang="en-US" dirty="0" smtClean="0"/>
+              </a:br>
+              <a:endParaRPr lang="en-US" dirty="0" smtClean="0"/>
+            </a:p>
+            <a:p>
+              <a:pPr algn="ctr"/>
+              <a:r>
+                <a:rPr lang="en-US" sz="1400" dirty="0" smtClean="0"/>
+                <a:t>(murder, robbery, theft)</a:t>
+              </a:r>
+              <a:endParaRPr lang="en-US" sz="1400" dirty="0"/>
+            </a:p>
+          </p:txBody>
+        </p:sp>
+        <p:sp>
+          <p:nvSpPr>
+            <p:cNvPr id="6" name="Folded Corner 5"/>
+            <p:cNvSpPr/>
+            <p:nvPr/>
+          </p:nvSpPr>
+          <p:spPr>
+            <a:xfrm>
+              <a:off x="327613" y="4800925"/>
+              <a:ext cx="1486608" cy="1341148"/>
+            </a:xfrm>
+            <a:prstGeom prst="foldedCorner">
+              <a:avLst/>
+            </a:prstGeom>
+          </p:spPr>
+          <p:style>
+            <a:lnRef idx="1">
+              <a:schemeClr val="accent1"/>
+            </a:lnRef>
+            <a:fillRef idx="3">
+              <a:schemeClr val="accent1"/>
+            </a:fillRef>
+            <a:effectRef idx="2">
+              <a:schemeClr val="accent1"/>
+            </a:effectRef>
+            <a:fontRef idx="minor">
+              <a:schemeClr val="lt1"/>
+            </a:fontRef>
+          </p:style>
+          <p:txBody>
+            <a:bodyPr rtlCol="0" anchor="ctr"/>
+            <a:lstStyle/>
+            <a:p>
+              <a:pPr algn="ctr"/>
+              <a:r>
+                <a:rPr lang="en-US" dirty="0" smtClean="0"/>
+                <a:t>Health</a:t>
+              </a:r>
+              <a:br>
+                <a:rPr lang="en-US" dirty="0" smtClean="0"/>
+              </a:br>
+              <a:r>
+                <a:rPr lang="en-US" dirty="0" smtClean="0"/>
+                <a:t/>
+              </a:r>
+              <a:br>
+                <a:rPr lang="en-US" dirty="0" smtClean="0"/>
+              </a:br>
+              <a:r>
+                <a:rPr lang="en-US" sz="1400" dirty="0" smtClean="0"/>
+                <a:t>(diabetes, alcohol, life expectancy)</a:t>
+              </a:r>
+              <a:endParaRPr lang="en-US" sz="1400" dirty="0"/>
+            </a:p>
+          </p:txBody>
+        </p:sp>
+        <p:sp>
+          <p:nvSpPr>
+            <p:cNvPr id="7" name="Freeform 6"/>
+            <p:cNvSpPr/>
+            <p:nvPr/>
+          </p:nvSpPr>
+          <p:spPr>
+            <a:xfrm>
+              <a:off x="4043050" y="2202774"/>
+              <a:ext cx="1075868" cy="1192211"/>
+            </a:xfrm>
+            <a:custGeom>
+              <a:avLst/>
+              <a:gdLst>
+                <a:gd name="connsiteX0" fmla="*/ 596173 w 1075868"/>
+                <a:gd name="connsiteY0" fmla="*/ 1192211 h 1192211"/>
+                <a:gd name="connsiteX1" fmla="*/ 1075646 w 1075868"/>
+                <a:gd name="connsiteY1" fmla="*/ 583187 h 1192211"/>
+                <a:gd name="connsiteX2" fmla="*/ 544338 w 1075868"/>
+                <a:gd name="connsiteY2" fmla="*/ 79 h 1192211"/>
+                <a:gd name="connsiteX3" fmla="*/ 72 w 1075868"/>
+                <a:gd name="connsiteY3" fmla="*/ 622061 h 1192211"/>
+                <a:gd name="connsiteX4" fmla="*/ 505462 w 1075868"/>
+                <a:gd name="connsiteY4" fmla="*/ 1192211 h 1192211"/>
+                <a:gd name="connsiteX5" fmla="*/ 505462 w 1075868"/>
+                <a:gd name="connsiteY5" fmla="*/ 1192211 h 1192211"/>
+              </a:gdLst>
+              <a:ahLst/>
+              <a:cxnLst>
+                <a:cxn ang="0">
+                  <a:pos x="connsiteX0" y="connsiteY0"/>
+                </a:cxn>
+                <a:cxn ang="0">
+                  <a:pos x="connsiteX1" y="connsiteY1"/>
+                </a:cxn>
+                <a:cxn ang="0">
+                  <a:pos x="connsiteX2" y="connsiteY2"/>
+                </a:cxn>
+                <a:cxn ang="0">
+                  <a:pos x="connsiteX3" y="connsiteY3"/>
+                </a:cxn>
+                <a:cxn ang="0">
+                  <a:pos x="connsiteX4" y="connsiteY4"/>
+                </a:cxn>
+                <a:cxn ang="0">
+                  <a:pos x="connsiteX5" y="connsiteY5"/>
+                </a:cxn>
+              </a:cxnLst>
+              <a:rect l="l" t="t" r="r" b="b"/>
+              <a:pathLst>
+                <a:path w="1075868" h="1192211">
+                  <a:moveTo>
+                    <a:pt x="596173" y="1192211"/>
+                  </a:moveTo>
+                  <a:cubicBezTo>
+                    <a:pt x="840229" y="987043"/>
+                    <a:pt x="1084285" y="781876"/>
+                    <a:pt x="1075646" y="583187"/>
+                  </a:cubicBezTo>
+                  <a:cubicBezTo>
+                    <a:pt x="1067007" y="384498"/>
+                    <a:pt x="723600" y="-6400"/>
+                    <a:pt x="544338" y="79"/>
+                  </a:cubicBezTo>
+                  <a:cubicBezTo>
+                    <a:pt x="365076" y="6558"/>
+                    <a:pt x="6551" y="423372"/>
+                    <a:pt x="72" y="622061"/>
+                  </a:cubicBezTo>
+                  <a:cubicBezTo>
+                    <a:pt x="-6407" y="820750"/>
+                    <a:pt x="421230" y="1097186"/>
+                    <a:pt x="505462" y="1192211"/>
+                  </a:cubicBezTo>
+                  <a:lnTo>
+                    <a:pt x="505462" y="1192211"/>
+                  </a:lnTo>
+                </a:path>
+              </a:pathLst>
+            </a:custGeom>
+            <a:ln>
+              <a:tailEnd type="arrow"/>
+            </a:ln>
+          </p:spPr>
+          <p:style>
+            <a:lnRef idx="2">
+              <a:schemeClr val="accent1"/>
+            </a:lnRef>
+            <a:fillRef idx="0">
+              <a:schemeClr val="accent1"/>
+            </a:fillRef>
+            <a:effectRef idx="1">
+              <a:schemeClr val="accent1"/>
+            </a:effectRef>
+            <a:fontRef idx="minor">
+              <a:schemeClr val="tx1"/>
+            </a:fontRef>
+          </p:style>
+          <p:txBody>
+            <a:bodyPr rtlCol="0" anchor="ctr"/>
+            <a:lstStyle/>
+            <a:p>
+              <a:pPr algn="ctr"/>
+              <a:endParaRPr lang="en-US"/>
+            </a:p>
+          </p:txBody>
+        </p:sp>
+        <p:sp>
+          <p:nvSpPr>
+            <p:cNvPr id="8" name="Round Diagonal Corner Rectangle 7"/>
+            <p:cNvSpPr/>
+            <p:nvPr/>
+          </p:nvSpPr>
+          <p:spPr>
+            <a:xfrm>
+              <a:off x="3641402" y="1606787"/>
+              <a:ext cx="1956767" cy="595987"/>
+            </a:xfrm>
+            <a:prstGeom prst="round2DiagRect">
+              <a:avLst/>
+            </a:prstGeom>
+            <a:solidFill>
+              <a:schemeClr val="accent3">
+                <a:lumMod val="75000"/>
+              </a:schemeClr>
+            </a:solidFill>
+            <a:ln>
+              <a:solidFill>
+                <a:schemeClr val="accent3">
+                  <a:lumMod val="75000"/>
+                </a:schemeClr>
+              </a:solidFill>
+            </a:ln>
+          </p:spPr>
+          <p:style>
+            <a:lnRef idx="1">
+              <a:schemeClr val="accent1"/>
+            </a:lnRef>
+            <a:fillRef idx="3">
+              <a:schemeClr val="accent1"/>
+            </a:fillRef>
+            <a:effectRef idx="2">
+              <a:schemeClr val="accent1"/>
+            </a:effectRef>
+            <a:fontRef idx="minor">
+              <a:schemeClr val="lt1"/>
+            </a:fontRef>
+          </p:style>
+          <p:txBody>
+            <a:bodyPr rtlCol="0" anchor="ctr"/>
+            <a:lstStyle/>
+            <a:p>
+              <a:pPr algn="ctr"/>
+              <a:r>
+                <a:rPr lang="en-US" dirty="0" smtClean="0"/>
+                <a:t>Aggregation Framework</a:t>
+              </a:r>
+              <a:endParaRPr lang="en-US" dirty="0"/>
+            </a:p>
+          </p:txBody>
+        </p:sp>
+        <p:sp>
+          <p:nvSpPr>
+            <p:cNvPr id="9" name="TextBox 8"/>
+            <p:cNvSpPr txBox="1"/>
+            <p:nvPr/>
+          </p:nvSpPr>
+          <p:spPr>
+            <a:xfrm>
+              <a:off x="3978256" y="2410180"/>
+              <a:ext cx="1194445" cy="646331"/>
+            </a:xfrm>
+            <a:prstGeom prst="rect">
+              <a:avLst/>
+            </a:prstGeom>
+            <a:noFill/>
+          </p:spPr>
+          <p:txBody>
+            <a:bodyPr wrap="none" rtlCol="0">
+              <a:spAutoFit/>
+            </a:bodyPr>
+            <a:lstStyle/>
+            <a:p>
+              <a:pPr algn="ctr"/>
+              <a:r>
+                <a:rPr lang="en-US" dirty="0" smtClean="0"/>
+                <a:t>Cleanse</a:t>
+              </a:r>
+              <a:r>
+                <a:rPr lang="en-US" dirty="0"/>
+                <a:t/>
+              </a:r>
+              <a:br>
+                <a:rPr lang="en-US" dirty="0"/>
+              </a:br>
+              <a:r>
+                <a:rPr lang="en-US" dirty="0" smtClean="0"/>
+                <a:t> Aggregate</a:t>
+              </a:r>
+              <a:endParaRPr lang="en-US" dirty="0"/>
+            </a:p>
+          </p:txBody>
+        </p:sp>
+        <p:cxnSp>
+          <p:nvCxnSpPr>
+            <p:cNvPr id="11" name="Straight Arrow Connector 10"/>
+            <p:cNvCxnSpPr>
+              <a:stCxn id="4" idx="3"/>
+              <a:endCxn id="3" idx="2"/>
+            </p:cNvCxnSpPr>
+            <p:nvPr/>
+          </p:nvCxnSpPr>
+          <p:spPr>
+            <a:xfrm>
+              <a:off x="1814221" y="1840030"/>
+              <a:ext cx="1827181" cy="2372841"/>
+            </a:xfrm>
+            <a:prstGeom prst="straightConnector1">
+              <a:avLst/>
+            </a:prstGeom>
+            <a:ln>
+              <a:tailEnd type="arrow"/>
+            </a:ln>
+          </p:spPr>
+          <p:style>
+            <a:lnRef idx="2">
+              <a:schemeClr val="accent1"/>
+            </a:lnRef>
+            <a:fillRef idx="0">
+              <a:schemeClr val="accent1"/>
+            </a:fillRef>
+            <a:effectRef idx="1">
+              <a:schemeClr val="accent1"/>
+            </a:effectRef>
+            <a:fontRef idx="minor">
+              <a:schemeClr val="tx1"/>
+            </a:fontRef>
+          </p:style>
+        </p:cxnSp>
+        <p:cxnSp>
+          <p:nvCxnSpPr>
+            <p:cNvPr id="13" name="Straight Arrow Connector 12"/>
+            <p:cNvCxnSpPr>
+              <a:stCxn id="5" idx="3"/>
+              <a:endCxn id="3" idx="2"/>
+            </p:cNvCxnSpPr>
+            <p:nvPr/>
+          </p:nvCxnSpPr>
+          <p:spPr>
+            <a:xfrm>
+              <a:off x="1814221" y="3618511"/>
+              <a:ext cx="1827181" cy="594360"/>
+            </a:xfrm>
+            <a:prstGeom prst="straightConnector1">
+              <a:avLst/>
+            </a:prstGeom>
+            <a:ln>
+              <a:tailEnd type="arrow"/>
+            </a:ln>
+          </p:spPr>
+          <p:style>
+            <a:lnRef idx="2">
+              <a:schemeClr val="accent1"/>
+            </a:lnRef>
+            <a:fillRef idx="0">
+              <a:schemeClr val="accent1"/>
+            </a:fillRef>
+            <a:effectRef idx="1">
+              <a:schemeClr val="accent1"/>
+            </a:effectRef>
+            <a:fontRef idx="minor">
+              <a:schemeClr val="tx1"/>
+            </a:fontRef>
+          </p:style>
+        </p:cxnSp>
+        <p:cxnSp>
+          <p:nvCxnSpPr>
+            <p:cNvPr id="15" name="Straight Arrow Connector 14"/>
+            <p:cNvCxnSpPr>
+              <a:stCxn id="6" idx="3"/>
+              <a:endCxn id="3" idx="2"/>
+            </p:cNvCxnSpPr>
+            <p:nvPr/>
+          </p:nvCxnSpPr>
+          <p:spPr>
+            <a:xfrm flipV="1">
+              <a:off x="1814221" y="4212871"/>
+              <a:ext cx="1827181" cy="1258628"/>
+            </a:xfrm>
+            <a:prstGeom prst="straightConnector1">
+              <a:avLst/>
+            </a:prstGeom>
+            <a:ln>
+              <a:tailEnd type="arrow"/>
+            </a:ln>
+          </p:spPr>
+          <p:style>
+            <a:lnRef idx="2">
+              <a:schemeClr val="accent1"/>
+            </a:lnRef>
+            <a:fillRef idx="0">
+              <a:schemeClr val="accent1"/>
+            </a:fillRef>
+            <a:effectRef idx="1">
+              <a:schemeClr val="accent1"/>
+            </a:effectRef>
+            <a:fontRef idx="minor">
+              <a:schemeClr val="tx1"/>
+            </a:fontRef>
+          </p:style>
+        </p:cxnSp>
+        <p:sp>
+          <p:nvSpPr>
+            <p:cNvPr id="16" name="Round Diagonal Corner Rectangle 15"/>
+            <p:cNvSpPr/>
+            <p:nvPr/>
+          </p:nvSpPr>
+          <p:spPr>
+            <a:xfrm>
+              <a:off x="6610204" y="3868718"/>
+              <a:ext cx="1645758" cy="688305"/>
+            </a:xfrm>
+            <a:prstGeom prst="round2DiagRect">
+              <a:avLst/>
+            </a:prstGeom>
+          </p:spPr>
+          <p:style>
+            <a:lnRef idx="1">
+              <a:schemeClr val="accent1"/>
+            </a:lnRef>
+            <a:fillRef idx="3">
+              <a:schemeClr val="accent1"/>
+            </a:fillRef>
+            <a:effectRef idx="2">
+              <a:schemeClr val="accent1"/>
+            </a:effectRef>
+            <a:fontRef idx="minor">
+              <a:schemeClr val="lt1"/>
+            </a:fontRef>
+          </p:style>
+          <p:txBody>
+            <a:bodyPr rtlCol="0" anchor="ctr"/>
+            <a:lstStyle/>
+            <a:p>
+              <a:pPr algn="ctr"/>
+              <a:r>
+                <a:rPr lang="en-US" dirty="0" err="1" smtClean="0"/>
+                <a:t>SparkR</a:t>
+              </a:r>
+              <a:endParaRPr lang="en-US" dirty="0"/>
+            </a:p>
+          </p:txBody>
+        </p:sp>
+        <p:sp>
+          <p:nvSpPr>
+            <p:cNvPr id="21" name="TextBox 20"/>
+            <p:cNvSpPr txBox="1"/>
+            <p:nvPr/>
+          </p:nvSpPr>
+          <p:spPr>
+            <a:xfrm>
+              <a:off x="5598169" y="4028205"/>
+              <a:ext cx="941283" cy="369332"/>
+            </a:xfrm>
+            <a:prstGeom prst="rect">
+              <a:avLst/>
+            </a:prstGeom>
+            <a:noFill/>
+          </p:spPr>
+          <p:txBody>
+            <a:bodyPr wrap="none" rtlCol="0">
+              <a:spAutoFit/>
+            </a:bodyPr>
+            <a:lstStyle/>
+            <a:p>
+              <a:pPr algn="ctr"/>
+              <a:r>
+                <a:rPr lang="en-US" dirty="0" smtClean="0"/>
+                <a:t>Analysis</a:t>
+              </a:r>
+              <a:endParaRPr lang="en-US" dirty="0"/>
+            </a:p>
+          </p:txBody>
+        </p:sp>
+        <p:sp>
+          <p:nvSpPr>
+            <p:cNvPr id="12" name="Freeform 11"/>
+            <p:cNvSpPr/>
+            <p:nvPr/>
+          </p:nvSpPr>
+          <p:spPr>
+            <a:xfrm>
+              <a:off x="5434851" y="3809380"/>
+              <a:ext cx="1147191" cy="805876"/>
+            </a:xfrm>
+            <a:custGeom>
+              <a:avLst/>
+              <a:gdLst>
+                <a:gd name="connsiteX0" fmla="*/ 0 w 1147191"/>
+                <a:gd name="connsiteY0" fmla="*/ 437186 h 805876"/>
+                <a:gd name="connsiteX1" fmla="*/ 464284 w 1147191"/>
+                <a:gd name="connsiteY1" fmla="*/ 805859 h 805876"/>
+                <a:gd name="connsiteX2" fmla="*/ 1147054 w 1147191"/>
+                <a:gd name="connsiteY2" fmla="*/ 450841 h 805876"/>
+                <a:gd name="connsiteX3" fmla="*/ 518905 w 1147191"/>
+                <a:gd name="connsiteY3" fmla="*/ 241 h 805876"/>
+                <a:gd name="connsiteX4" fmla="*/ 0 w 1147191"/>
+                <a:gd name="connsiteY4" fmla="*/ 382568 h 805876"/>
+              </a:gdLst>
+              <a:ahLst/>
+              <a:cxnLst>
+                <a:cxn ang="0">
+                  <a:pos x="connsiteX0" y="connsiteY0"/>
+                </a:cxn>
+                <a:cxn ang="0">
+                  <a:pos x="connsiteX1" y="connsiteY1"/>
+                </a:cxn>
+                <a:cxn ang="0">
+                  <a:pos x="connsiteX2" y="connsiteY2"/>
+                </a:cxn>
+                <a:cxn ang="0">
+                  <a:pos x="connsiteX3" y="connsiteY3"/>
+                </a:cxn>
+                <a:cxn ang="0">
+                  <a:pos x="connsiteX4" y="connsiteY4"/>
+                </a:cxn>
+              </a:cxnLst>
+              <a:rect l="l" t="t" r="r" b="b"/>
+              <a:pathLst>
+                <a:path w="1147191" h="805876">
+                  <a:moveTo>
+                    <a:pt x="0" y="437186"/>
+                  </a:moveTo>
+                  <a:cubicBezTo>
+                    <a:pt x="136554" y="620384"/>
+                    <a:pt x="273108" y="803583"/>
+                    <a:pt x="464284" y="805859"/>
+                  </a:cubicBezTo>
+                  <a:cubicBezTo>
+                    <a:pt x="655460" y="808135"/>
+                    <a:pt x="1137951" y="585111"/>
+                    <a:pt x="1147054" y="450841"/>
+                  </a:cubicBezTo>
+                  <a:cubicBezTo>
+                    <a:pt x="1156157" y="316571"/>
+                    <a:pt x="710081" y="11620"/>
+                    <a:pt x="518905" y="241"/>
+                  </a:cubicBezTo>
+                  <a:cubicBezTo>
+                    <a:pt x="327729" y="-11138"/>
+                    <a:pt x="0" y="382568"/>
+                    <a:pt x="0" y="382568"/>
+                  </a:cubicBezTo>
+                </a:path>
+              </a:pathLst>
+            </a:custGeom>
+            <a:ln>
+              <a:tailEnd type="arrow"/>
+            </a:ln>
+          </p:spPr>
+          <p:style>
+            <a:lnRef idx="2">
+              <a:schemeClr val="accent1"/>
+            </a:lnRef>
+            <a:fillRef idx="0">
+              <a:schemeClr val="accent1"/>
+            </a:fillRef>
+            <a:effectRef idx="1">
+              <a:schemeClr val="accent1"/>
+            </a:effectRef>
+            <a:fontRef idx="minor">
+              <a:schemeClr val="tx1"/>
+            </a:fontRef>
+          </p:style>
+          <p:txBody>
+            <a:bodyPr rtlCol="0" anchor="ctr"/>
+            <a:lstStyle/>
+            <a:p>
+              <a:pPr algn="ctr"/>
+              <a:endParaRPr lang="en-US"/>
+            </a:p>
+          </p:txBody>
+        </p:sp>
+        <p:pic>
+          <p:nvPicPr>
+            <p:cNvPr id="14" name="Picture 13"/>
+            <p:cNvPicPr>
+              <a:picLocks noChangeAspect="1"/>
+            </p:cNvPicPr>
+            <p:nvPr/>
+          </p:nvPicPr>
+          <p:blipFill>
+            <a:blip r:embed="rId2"/>
+            <a:stretch>
+              <a:fillRect/>
+            </a:stretch>
+          </p:blipFill>
+          <p:spPr>
+            <a:xfrm>
+              <a:off x="3852662" y="6284462"/>
+              <a:ext cx="2112054" cy="439232"/>
+            </a:xfrm>
+            <a:prstGeom prst="rect">
+              <a:avLst/>
+            </a:prstGeom>
+          </p:spPr>
+        </p:pic>
+        <p:cxnSp>
+          <p:nvCxnSpPr>
+            <p:cNvPr id="23" name="Straight Arrow Connector 22"/>
+            <p:cNvCxnSpPr>
+              <a:stCxn id="3" idx="3"/>
+              <a:endCxn id="22" idx="3"/>
+            </p:cNvCxnSpPr>
+            <p:nvPr/>
+          </p:nvCxnSpPr>
+          <p:spPr>
+            <a:xfrm>
+              <a:off x="4529075" y="5016265"/>
+              <a:ext cx="390144" cy="1125808"/>
+            </a:xfrm>
+            <a:prstGeom prst="straightConnector1">
+              <a:avLst/>
+            </a:prstGeom>
+            <a:ln>
+              <a:tailEnd type="arrow"/>
+            </a:ln>
+          </p:spPr>
+          <p:style>
+            <a:lnRef idx="2">
+              <a:schemeClr val="accent1"/>
+            </a:lnRef>
+            <a:fillRef idx="0">
+              <a:schemeClr val="accent1"/>
+            </a:fillRef>
+            <a:effectRef idx="1">
+              <a:schemeClr val="accent1"/>
+            </a:effectRef>
+            <a:fontRef idx="minor">
+              <a:schemeClr val="tx1"/>
+            </a:fontRef>
+          </p:style>
+        </p:cxnSp>
+        <p:sp>
+          <p:nvSpPr>
+            <p:cNvPr id="25" name="TextBox 24"/>
+            <p:cNvSpPr txBox="1"/>
+            <p:nvPr/>
+          </p:nvSpPr>
+          <p:spPr>
+            <a:xfrm>
+              <a:off x="4743080" y="5286833"/>
+              <a:ext cx="859242" cy="369332"/>
+            </a:xfrm>
+            <a:prstGeom prst="rect">
+              <a:avLst/>
+            </a:prstGeom>
+            <a:noFill/>
+          </p:spPr>
+          <p:txBody>
+            <a:bodyPr wrap="none" rtlCol="0">
+              <a:spAutoFit/>
+            </a:bodyPr>
+            <a:lstStyle/>
+            <a:p>
+              <a:pPr algn="ctr"/>
+              <a:r>
+                <a:rPr lang="en-US" dirty="0" smtClean="0"/>
+                <a:t>Display</a:t>
+              </a:r>
+              <a:endParaRPr lang="en-US" dirty="0"/>
+            </a:p>
+          </p:txBody>
+        </p:sp>
+      </p:grpSp>
+    </p:spTree>
+    <p:extLst>
+      <p:ext uri="{BB962C8B-B14F-4D97-AF65-F5344CB8AC3E}">
+        <p14:creationId xmlns:p14="http://schemas.microsoft.com/office/powerpoint/2010/main" val="235126359"/>
       </p:ext>
     </p:extLst>
   </p:cSld>
